--- a/BottomConnector/Label.pptx
+++ b/BottomConnector/Label.pptx
@@ -104,6 +104,11 @@
       </a:defRPr>
     </a:lvl9pPr>
   </p:defaultTextStyle>
+  <p:extLst>
+    <p:ext uri="{EFAFB233-063F-42B5-8137-9DF3F51BA10A}">
+      <p15:sldGuideLst xmlns:p15="http://schemas.microsoft.com/office/powerpoint/2012/main"/>
+    </p:ext>
+  </p:extLst>
 </p:presentation>
 </file>
 
@@ -3276,7 +3281,7 @@
         </p:blipFill>
         <p:spPr>
           <a:xfrm>
-            <a:off x="290056" y="189750"/>
+            <a:off x="290056" y="92828"/>
             <a:ext cx="112535" cy="1368000"/>
           </a:xfrm>
           <a:prstGeom prst="rect">
@@ -3306,7 +3311,7 @@
         </p:blipFill>
         <p:spPr>
           <a:xfrm>
-            <a:off x="465690" y="189750"/>
+            <a:off x="465690" y="92828"/>
             <a:ext cx="112535" cy="1368000"/>
           </a:xfrm>
           <a:prstGeom prst="rect">
@@ -3336,7 +3341,7 @@
         </p:blipFill>
         <p:spPr>
           <a:xfrm>
-            <a:off x="290056" y="1972198"/>
+            <a:off x="290056" y="1896346"/>
             <a:ext cx="738000" cy="85389"/>
           </a:xfrm>
           <a:prstGeom prst="rect">
@@ -3366,7 +3371,7 @@
         </p:blipFill>
         <p:spPr>
           <a:xfrm>
-            <a:off x="290056" y="2094746"/>
+            <a:off x="290056" y="2048392"/>
             <a:ext cx="738000" cy="85389"/>
           </a:xfrm>
           <a:prstGeom prst="rect">
@@ -3396,7 +3401,7 @@
         </p:blipFill>
         <p:spPr>
           <a:xfrm>
-            <a:off x="641324" y="189750"/>
+            <a:off x="641324" y="92828"/>
             <a:ext cx="112535" cy="1368000"/>
           </a:xfrm>
           <a:prstGeom prst="rect">
@@ -3426,7 +3431,7 @@
         </p:blipFill>
         <p:spPr>
           <a:xfrm>
-            <a:off x="816958" y="189750"/>
+            <a:off x="816958" y="92828"/>
             <a:ext cx="112535" cy="1368000"/>
           </a:xfrm>
           <a:prstGeom prst="rect">
@@ -3456,7 +3461,7 @@
         </p:blipFill>
         <p:spPr>
           <a:xfrm>
-            <a:off x="992592" y="189750"/>
+            <a:off x="992592" y="92828"/>
             <a:ext cx="112535" cy="1368000"/>
           </a:xfrm>
           <a:prstGeom prst="rect">
@@ -3486,7 +3491,7 @@
         </p:blipFill>
         <p:spPr>
           <a:xfrm>
-            <a:off x="1168226" y="189750"/>
+            <a:off x="1168226" y="92828"/>
             <a:ext cx="112535" cy="1368000"/>
           </a:xfrm>
           <a:prstGeom prst="rect">
@@ -3516,7 +3521,7 @@
         </p:blipFill>
         <p:spPr>
           <a:xfrm>
-            <a:off x="1343860" y="189750"/>
+            <a:off x="1343860" y="92828"/>
             <a:ext cx="112535" cy="1368000"/>
           </a:xfrm>
           <a:prstGeom prst="rect">
@@ -3546,7 +3551,7 @@
         </p:blipFill>
         <p:spPr>
           <a:xfrm>
-            <a:off x="1519494" y="189750"/>
+            <a:off x="1519494" y="92828"/>
             <a:ext cx="112535" cy="1368000"/>
           </a:xfrm>
           <a:prstGeom prst="rect">
@@ -3576,7 +3581,7 @@
         </p:blipFill>
         <p:spPr>
           <a:xfrm>
-            <a:off x="1695128" y="189750"/>
+            <a:off x="1695128" y="92828"/>
             <a:ext cx="112535" cy="1368000"/>
           </a:xfrm>
           <a:prstGeom prst="rect">
@@ -3606,7 +3611,7 @@
         </p:blipFill>
         <p:spPr>
           <a:xfrm>
-            <a:off x="1870762" y="189750"/>
+            <a:off x="1870762" y="92828"/>
             <a:ext cx="112535" cy="1368000"/>
           </a:xfrm>
           <a:prstGeom prst="rect">
@@ -3636,7 +3641,7 @@
         </p:blipFill>
         <p:spPr>
           <a:xfrm>
-            <a:off x="290056" y="1686360"/>
+            <a:off x="290056" y="1589438"/>
             <a:ext cx="738000" cy="85389"/>
           </a:xfrm>
           <a:prstGeom prst="rect">
@@ -3666,7 +3671,7 @@
         </p:blipFill>
         <p:spPr>
           <a:xfrm>
-            <a:off x="290056" y="1808908"/>
+            <a:off x="290056" y="1733056"/>
             <a:ext cx="738000" cy="85389"/>
           </a:xfrm>
           <a:prstGeom prst="rect">
@@ -3696,7 +3701,7 @@
         </p:blipFill>
         <p:spPr>
           <a:xfrm>
-            <a:off x="290056" y="2235737"/>
+            <a:off x="290056" y="2210453"/>
             <a:ext cx="738000" cy="85389"/>
           </a:xfrm>
           <a:prstGeom prst="rect">
@@ -3726,7 +3731,7 @@
         </p:blipFill>
         <p:spPr>
           <a:xfrm>
-            <a:off x="290056" y="2358285"/>
+            <a:off x="290056" y="2362499"/>
             <a:ext cx="738000" cy="85389"/>
           </a:xfrm>
           <a:prstGeom prst="rect">
@@ -3756,7 +3761,7 @@
         </p:blipFill>
         <p:spPr>
           <a:xfrm>
-            <a:off x="290056" y="2480833"/>
+            <a:off x="290056" y="2514545"/>
             <a:ext cx="738000" cy="85389"/>
           </a:xfrm>
           <a:prstGeom prst="rect">
@@ -3786,7 +3791,7 @@
         </p:blipFill>
         <p:spPr>
           <a:xfrm>
-            <a:off x="290056" y="2603381"/>
+            <a:off x="290056" y="2666591"/>
             <a:ext cx="738000" cy="85389"/>
           </a:xfrm>
           <a:prstGeom prst="rect">
@@ -3816,7 +3821,7 @@
         </p:blipFill>
         <p:spPr>
           <a:xfrm>
-            <a:off x="290056" y="2734706"/>
+            <a:off x="290056" y="2827414"/>
             <a:ext cx="738000" cy="85389"/>
           </a:xfrm>
           <a:prstGeom prst="rect">
@@ -3846,7 +3851,7 @@
         </p:blipFill>
         <p:spPr>
           <a:xfrm>
-            <a:off x="290056" y="2857254"/>
+            <a:off x="290056" y="2979460"/>
             <a:ext cx="738000" cy="85389"/>
           </a:xfrm>
           <a:prstGeom prst="rect">
@@ -3876,7 +3881,7 @@
         </p:blipFill>
         <p:spPr>
           <a:xfrm>
-            <a:off x="2349970" y="189750"/>
+            <a:off x="2349970" y="92828"/>
             <a:ext cx="112535" cy="1368000"/>
           </a:xfrm>
           <a:prstGeom prst="rect">
@@ -3906,7 +3911,7 @@
         </p:blipFill>
         <p:spPr>
           <a:xfrm>
-            <a:off x="2525604" y="189750"/>
+            <a:off x="2525604" y="92828"/>
             <a:ext cx="112535" cy="1368000"/>
           </a:xfrm>
           <a:prstGeom prst="rect">
@@ -3936,7 +3941,7 @@
         </p:blipFill>
         <p:spPr>
           <a:xfrm>
-            <a:off x="2349970" y="1972198"/>
+            <a:off x="2349970" y="1896346"/>
             <a:ext cx="738000" cy="85389"/>
           </a:xfrm>
           <a:prstGeom prst="rect">
@@ -3966,7 +3971,7 @@
         </p:blipFill>
         <p:spPr>
           <a:xfrm>
-            <a:off x="2349970" y="2094746"/>
+            <a:off x="2349970" y="2048392"/>
             <a:ext cx="738000" cy="85389"/>
           </a:xfrm>
           <a:prstGeom prst="rect">
@@ -3996,7 +4001,7 @@
         </p:blipFill>
         <p:spPr>
           <a:xfrm>
-            <a:off x="2701238" y="189750"/>
+            <a:off x="2701238" y="92828"/>
             <a:ext cx="112535" cy="1368000"/>
           </a:xfrm>
           <a:prstGeom prst="rect">
@@ -4026,7 +4031,7 @@
         </p:blipFill>
         <p:spPr>
           <a:xfrm>
-            <a:off x="2876872" y="189750"/>
+            <a:off x="2876872" y="92828"/>
             <a:ext cx="112535" cy="1368000"/>
           </a:xfrm>
           <a:prstGeom prst="rect">
@@ -4056,7 +4061,7 @@
         </p:blipFill>
         <p:spPr>
           <a:xfrm>
-            <a:off x="3052506" y="189750"/>
+            <a:off x="3052506" y="92828"/>
             <a:ext cx="112535" cy="1368000"/>
           </a:xfrm>
           <a:prstGeom prst="rect">
@@ -4086,7 +4091,7 @@
         </p:blipFill>
         <p:spPr>
           <a:xfrm>
-            <a:off x="3228140" y="189750"/>
+            <a:off x="3228140" y="92828"/>
             <a:ext cx="112535" cy="1368000"/>
           </a:xfrm>
           <a:prstGeom prst="rect">
@@ -4116,7 +4121,7 @@
         </p:blipFill>
         <p:spPr>
           <a:xfrm>
-            <a:off x="3403774" y="189750"/>
+            <a:off x="3403774" y="92828"/>
             <a:ext cx="112535" cy="1368000"/>
           </a:xfrm>
           <a:prstGeom prst="rect">
@@ -4146,7 +4151,7 @@
         </p:blipFill>
         <p:spPr>
           <a:xfrm>
-            <a:off x="3579408" y="189750"/>
+            <a:off x="3579408" y="92828"/>
             <a:ext cx="112535" cy="1368000"/>
           </a:xfrm>
           <a:prstGeom prst="rect">
@@ -4176,7 +4181,7 @@
         </p:blipFill>
         <p:spPr>
           <a:xfrm>
-            <a:off x="3755042" y="189750"/>
+            <a:off x="3755042" y="92828"/>
             <a:ext cx="112535" cy="1368000"/>
           </a:xfrm>
           <a:prstGeom prst="rect">
@@ -4206,7 +4211,7 @@
         </p:blipFill>
         <p:spPr>
           <a:xfrm>
-            <a:off x="3930676" y="189750"/>
+            <a:off x="3930676" y="92828"/>
             <a:ext cx="112535" cy="1368000"/>
           </a:xfrm>
           <a:prstGeom prst="rect">
@@ -4236,7 +4241,7 @@
         </p:blipFill>
         <p:spPr>
           <a:xfrm>
-            <a:off x="2349970" y="1686360"/>
+            <a:off x="2349970" y="1589438"/>
             <a:ext cx="738000" cy="85389"/>
           </a:xfrm>
           <a:prstGeom prst="rect">
@@ -4266,7 +4271,7 @@
         </p:blipFill>
         <p:spPr>
           <a:xfrm>
-            <a:off x="2349970" y="1808908"/>
+            <a:off x="2349970" y="1733056"/>
             <a:ext cx="738000" cy="85389"/>
           </a:xfrm>
           <a:prstGeom prst="rect">
@@ -4296,7 +4301,7 @@
         </p:blipFill>
         <p:spPr>
           <a:xfrm>
-            <a:off x="2349970" y="2235737"/>
+            <a:off x="2349970" y="2210453"/>
             <a:ext cx="738000" cy="85389"/>
           </a:xfrm>
           <a:prstGeom prst="rect">
@@ -4326,7 +4331,7 @@
         </p:blipFill>
         <p:spPr>
           <a:xfrm>
-            <a:off x="2349970" y="2358285"/>
+            <a:off x="2349970" y="2362499"/>
             <a:ext cx="738000" cy="85389"/>
           </a:xfrm>
           <a:prstGeom prst="rect">
@@ -4356,7 +4361,7 @@
         </p:blipFill>
         <p:spPr>
           <a:xfrm>
-            <a:off x="2349970" y="2480833"/>
+            <a:off x="2349970" y="2514545"/>
             <a:ext cx="738000" cy="85389"/>
           </a:xfrm>
           <a:prstGeom prst="rect">
@@ -4386,7 +4391,7 @@
         </p:blipFill>
         <p:spPr>
           <a:xfrm>
-            <a:off x="2349970" y="2603381"/>
+            <a:off x="2349970" y="2666591"/>
             <a:ext cx="738000" cy="85389"/>
           </a:xfrm>
           <a:prstGeom prst="rect">
@@ -4416,7 +4421,7 @@
         </p:blipFill>
         <p:spPr>
           <a:xfrm>
-            <a:off x="2349970" y="2734706"/>
+            <a:off x="2349970" y="2827414"/>
             <a:ext cx="738000" cy="85389"/>
           </a:xfrm>
           <a:prstGeom prst="rect">
@@ -4446,8 +4451,308 @@
         </p:blipFill>
         <p:spPr>
           <a:xfrm>
-            <a:off x="2349970" y="2857254"/>
+            <a:off x="2349970" y="2979460"/>
             <a:ext cx="738000" cy="85389"/>
+          </a:xfrm>
+          <a:prstGeom prst="rect">
+            <a:avLst/>
+          </a:prstGeom>
+        </p:spPr>
+      </p:pic>
+      <p:pic>
+        <p:nvPicPr>
+          <p:cNvPr id="2" name="図 1">
+            <a:extLst>
+              <a:ext uri="{FF2B5EF4-FFF2-40B4-BE49-F238E27FC236}">
+                <a16:creationId xmlns:a16="http://schemas.microsoft.com/office/drawing/2014/main" id="{022D5B45-A32A-4E15-90CD-EE8E98651A4E}"/>
+              </a:ext>
+            </a:extLst>
+          </p:cNvPr>
+          <p:cNvPicPr>
+            <a:picLocks noChangeAspect="1"/>
+          </p:cNvPicPr>
+          <p:nvPr/>
+        </p:nvPicPr>
+        <p:blipFill>
+          <a:blip r:embed="rId6"/>
+          <a:stretch>
+            <a:fillRect/>
+          </a:stretch>
+        </p:blipFill>
+        <p:spPr>
+          <a:xfrm>
+            <a:off x="1199013" y="1733056"/>
+            <a:ext cx="737616" cy="85344"/>
+          </a:xfrm>
+          <a:prstGeom prst="rect">
+            <a:avLst/>
+          </a:prstGeom>
+        </p:spPr>
+      </p:pic>
+      <p:pic>
+        <p:nvPicPr>
+          <p:cNvPr id="44" name="図 43">
+            <a:extLst>
+              <a:ext uri="{FF2B5EF4-FFF2-40B4-BE49-F238E27FC236}">
+                <a16:creationId xmlns:a16="http://schemas.microsoft.com/office/drawing/2014/main" id="{5E5B9683-1A47-4256-B56A-7ECCCE9F83F6}"/>
+              </a:ext>
+            </a:extLst>
+          </p:cNvPr>
+          <p:cNvPicPr>
+            <a:picLocks noChangeAspect="1"/>
+          </p:cNvPicPr>
+          <p:nvPr/>
+        </p:nvPicPr>
+        <p:blipFill>
+          <a:blip r:embed="rId6"/>
+          <a:stretch>
+            <a:fillRect/>
+          </a:stretch>
+        </p:blipFill>
+        <p:spPr>
+          <a:xfrm>
+            <a:off x="1199013" y="2048392"/>
+            <a:ext cx="737616" cy="85344"/>
+          </a:xfrm>
+          <a:prstGeom prst="rect">
+            <a:avLst/>
+          </a:prstGeom>
+        </p:spPr>
+      </p:pic>
+      <p:pic>
+        <p:nvPicPr>
+          <p:cNvPr id="45" name="図 44">
+            <a:extLst>
+              <a:ext uri="{FF2B5EF4-FFF2-40B4-BE49-F238E27FC236}">
+                <a16:creationId xmlns:a16="http://schemas.microsoft.com/office/drawing/2014/main" id="{BE16BF5B-0918-4FB4-97A6-B12BDE807A8E}"/>
+              </a:ext>
+            </a:extLst>
+          </p:cNvPr>
+          <p:cNvPicPr>
+            <a:picLocks noChangeAspect="1"/>
+          </p:cNvPicPr>
+          <p:nvPr/>
+        </p:nvPicPr>
+        <p:blipFill>
+          <a:blip r:embed="rId6"/>
+          <a:stretch>
+            <a:fillRect/>
+          </a:stretch>
+        </p:blipFill>
+        <p:spPr>
+          <a:xfrm>
+            <a:off x="1200359" y="2362544"/>
+            <a:ext cx="737616" cy="85344"/>
+          </a:xfrm>
+          <a:prstGeom prst="rect">
+            <a:avLst/>
+          </a:prstGeom>
+        </p:spPr>
+      </p:pic>
+      <p:pic>
+        <p:nvPicPr>
+          <p:cNvPr id="46" name="図 45">
+            <a:extLst>
+              <a:ext uri="{FF2B5EF4-FFF2-40B4-BE49-F238E27FC236}">
+                <a16:creationId xmlns:a16="http://schemas.microsoft.com/office/drawing/2014/main" id="{2C731F69-881B-4DF5-A5E3-F678F12410C8}"/>
+              </a:ext>
+            </a:extLst>
+          </p:cNvPr>
+          <p:cNvPicPr>
+            <a:picLocks noChangeAspect="1"/>
+          </p:cNvPicPr>
+          <p:nvPr/>
+        </p:nvPicPr>
+        <p:blipFill>
+          <a:blip r:embed="rId6"/>
+          <a:stretch>
+            <a:fillRect/>
+          </a:stretch>
+        </p:blipFill>
+        <p:spPr>
+          <a:xfrm>
+            <a:off x="1199013" y="2666639"/>
+            <a:ext cx="737616" cy="85344"/>
+          </a:xfrm>
+          <a:prstGeom prst="rect">
+            <a:avLst/>
+          </a:prstGeom>
+        </p:spPr>
+      </p:pic>
+      <p:pic>
+        <p:nvPicPr>
+          <p:cNvPr id="47" name="図 46">
+            <a:extLst>
+              <a:ext uri="{FF2B5EF4-FFF2-40B4-BE49-F238E27FC236}">
+                <a16:creationId xmlns:a16="http://schemas.microsoft.com/office/drawing/2014/main" id="{C2CCFBE6-B12A-474B-B5B5-F10AFB673A60}"/>
+              </a:ext>
+            </a:extLst>
+          </p:cNvPr>
+          <p:cNvPicPr>
+            <a:picLocks noChangeAspect="1"/>
+          </p:cNvPicPr>
+          <p:nvPr/>
+        </p:nvPicPr>
+        <p:blipFill>
+          <a:blip r:embed="rId6"/>
+          <a:stretch>
+            <a:fillRect/>
+          </a:stretch>
+        </p:blipFill>
+        <p:spPr>
+          <a:xfrm>
+            <a:off x="1199013" y="2976292"/>
+            <a:ext cx="737616" cy="85344"/>
+          </a:xfrm>
+          <a:prstGeom prst="rect">
+            <a:avLst/>
+          </a:prstGeom>
+        </p:spPr>
+      </p:pic>
+      <p:pic>
+        <p:nvPicPr>
+          <p:cNvPr id="48" name="図 47">
+            <a:extLst>
+              <a:ext uri="{FF2B5EF4-FFF2-40B4-BE49-F238E27FC236}">
+                <a16:creationId xmlns:a16="http://schemas.microsoft.com/office/drawing/2014/main" id="{76D2B443-1479-4F9F-807A-C530CC7870F0}"/>
+              </a:ext>
+            </a:extLst>
+          </p:cNvPr>
+          <p:cNvPicPr>
+            <a:picLocks noChangeAspect="1"/>
+          </p:cNvPicPr>
+          <p:nvPr/>
+        </p:nvPicPr>
+        <p:blipFill>
+          <a:blip r:embed="rId6"/>
+          <a:stretch>
+            <a:fillRect/>
+          </a:stretch>
+        </p:blipFill>
+        <p:spPr>
+          <a:xfrm>
+            <a:off x="3209254" y="1733011"/>
+            <a:ext cx="737616" cy="85344"/>
+          </a:xfrm>
+          <a:prstGeom prst="rect">
+            <a:avLst/>
+          </a:prstGeom>
+        </p:spPr>
+      </p:pic>
+      <p:pic>
+        <p:nvPicPr>
+          <p:cNvPr id="49" name="図 48">
+            <a:extLst>
+              <a:ext uri="{FF2B5EF4-FFF2-40B4-BE49-F238E27FC236}">
+                <a16:creationId xmlns:a16="http://schemas.microsoft.com/office/drawing/2014/main" id="{3C90F02E-4709-40D7-8726-BAAC2459330C}"/>
+              </a:ext>
+            </a:extLst>
+          </p:cNvPr>
+          <p:cNvPicPr>
+            <a:picLocks noChangeAspect="1"/>
+          </p:cNvPicPr>
+          <p:nvPr/>
+        </p:nvPicPr>
+        <p:blipFill>
+          <a:blip r:embed="rId6"/>
+          <a:stretch>
+            <a:fillRect/>
+          </a:stretch>
+        </p:blipFill>
+        <p:spPr>
+          <a:xfrm>
+            <a:off x="3209254" y="2048347"/>
+            <a:ext cx="737616" cy="85344"/>
+          </a:xfrm>
+          <a:prstGeom prst="rect">
+            <a:avLst/>
+          </a:prstGeom>
+        </p:spPr>
+      </p:pic>
+      <p:pic>
+        <p:nvPicPr>
+          <p:cNvPr id="50" name="図 49">
+            <a:extLst>
+              <a:ext uri="{FF2B5EF4-FFF2-40B4-BE49-F238E27FC236}">
+                <a16:creationId xmlns:a16="http://schemas.microsoft.com/office/drawing/2014/main" id="{8C3028D3-E5C8-4A1F-80EE-58152C21A75A}"/>
+              </a:ext>
+            </a:extLst>
+          </p:cNvPr>
+          <p:cNvPicPr>
+            <a:picLocks noChangeAspect="1"/>
+          </p:cNvPicPr>
+          <p:nvPr/>
+        </p:nvPicPr>
+        <p:blipFill>
+          <a:blip r:embed="rId6"/>
+          <a:stretch>
+            <a:fillRect/>
+          </a:stretch>
+        </p:blipFill>
+        <p:spPr>
+          <a:xfrm>
+            <a:off x="3210600" y="2362499"/>
+            <a:ext cx="737616" cy="85344"/>
+          </a:xfrm>
+          <a:prstGeom prst="rect">
+            <a:avLst/>
+          </a:prstGeom>
+        </p:spPr>
+      </p:pic>
+      <p:pic>
+        <p:nvPicPr>
+          <p:cNvPr id="51" name="図 50">
+            <a:extLst>
+              <a:ext uri="{FF2B5EF4-FFF2-40B4-BE49-F238E27FC236}">
+                <a16:creationId xmlns:a16="http://schemas.microsoft.com/office/drawing/2014/main" id="{F6425E73-F445-4B52-A4D8-D79FAB6791E9}"/>
+              </a:ext>
+            </a:extLst>
+          </p:cNvPr>
+          <p:cNvPicPr>
+            <a:picLocks noChangeAspect="1"/>
+          </p:cNvPicPr>
+          <p:nvPr/>
+        </p:nvPicPr>
+        <p:blipFill>
+          <a:blip r:embed="rId6"/>
+          <a:stretch>
+            <a:fillRect/>
+          </a:stretch>
+        </p:blipFill>
+        <p:spPr>
+          <a:xfrm>
+            <a:off x="3209254" y="2666594"/>
+            <a:ext cx="737616" cy="85344"/>
+          </a:xfrm>
+          <a:prstGeom prst="rect">
+            <a:avLst/>
+          </a:prstGeom>
+        </p:spPr>
+      </p:pic>
+      <p:pic>
+        <p:nvPicPr>
+          <p:cNvPr id="52" name="図 51">
+            <a:extLst>
+              <a:ext uri="{FF2B5EF4-FFF2-40B4-BE49-F238E27FC236}">
+                <a16:creationId xmlns:a16="http://schemas.microsoft.com/office/drawing/2014/main" id="{6494D93F-DE69-453E-BA21-A3C6813AC8DB}"/>
+              </a:ext>
+            </a:extLst>
+          </p:cNvPr>
+          <p:cNvPicPr>
+            <a:picLocks noChangeAspect="1"/>
+          </p:cNvPicPr>
+          <p:nvPr/>
+        </p:nvPicPr>
+        <p:blipFill>
+          <a:blip r:embed="rId6"/>
+          <a:stretch>
+            <a:fillRect/>
+          </a:stretch>
+        </p:blipFill>
+        <p:spPr>
+          <a:xfrm>
+            <a:off x="3209254" y="2976247"/>
+            <a:ext cx="737616" cy="85344"/>
           </a:xfrm>
           <a:prstGeom prst="rect">
             <a:avLst/>
